--- a/docs/Bsac_Presentation.pptx
+++ b/docs/Bsac_Presentation.pptx
@@ -5,17 +5,18 @@
     <p:sldMasterId id="2147483648" r:id="rId4"/>
   </p:sldMasterIdLst>
   <p:notesMasterIdLst>
-    <p:notesMasterId r:id="rId10"/>
+    <p:notesMasterId r:id="rId11"/>
   </p:notesMasterIdLst>
   <p:handoutMasterIdLst>
-    <p:handoutMasterId r:id="rId11"/>
+    <p:handoutMasterId r:id="rId12"/>
   </p:handoutMasterIdLst>
   <p:sldIdLst>
     <p:sldId id="342" r:id="rId5"/>
     <p:sldId id="384" r:id="rId6"/>
     <p:sldId id="385" r:id="rId7"/>
-    <p:sldId id="386" r:id="rId8"/>
-    <p:sldId id="383" r:id="rId9"/>
+    <p:sldId id="387" r:id="rId8"/>
+    <p:sldId id="386" r:id="rId9"/>
+    <p:sldId id="383" r:id="rId10"/>
   </p:sldIdLst>
   <p:sldSz cx="12192000" cy="6858000"/>
   <p:notesSz cx="6858000" cy="9144000"/>
@@ -720,7 +721,7 @@
           <a:p>
             <a:fld id="{258BFD57-AB0A-470B-A7AF-56DFE7B5174A}" type="datetimeFigureOut">
               <a:rPr lang="en-US" smtClean="0"/>
-              <a:t>4/21/2024</a:t>
+              <a:t>4/22/2024</a:t>
             </a:fld>
             <a:endParaRPr lang="en-US" dirty="0"/>
           </a:p>
@@ -897,7 +898,7 @@
           <a:p>
             <a:fld id="{D4B3339F-6CEA-4641-BE08-40DAFD6FCF25}" type="datetimeFigureOut">
               <a:rPr lang="en-US" smtClean="0"/>
-              <a:t>4/21/2024</a:t>
+              <a:t>4/22/2024</a:t>
             </a:fld>
             <a:endParaRPr lang="en-US" dirty="0"/>
           </a:p>
@@ -1239,6 +1240,90 @@
     <p:extLst>
       <p:ext uri="{BB962C8B-B14F-4D97-AF65-F5344CB8AC3E}">
         <p14:creationId xmlns:p14="http://schemas.microsoft.com/office/powerpoint/2010/main" val="1575999727"/>
+      </p:ext>
+    </p:extLst>
+  </p:cSld>
+  <p:clrMapOvr>
+    <a:masterClrMapping/>
+  </p:clrMapOvr>
+</p:notes>
+</file>
+
+<file path=ppt/notesSlides/notesSlide2.xml><?xml version="1.0" encoding="utf-8"?>
+<p:notes xmlns:a="http://schemas.openxmlformats.org/drawingml/2006/main" xmlns:r="http://schemas.openxmlformats.org/officeDocument/2006/relationships" xmlns:p="http://schemas.openxmlformats.org/presentationml/2006/main">
+  <p:cSld>
+    <p:spTree>
+      <p:nvGrpSpPr>
+        <p:cNvPr id="1" name=""/>
+        <p:cNvGrpSpPr/>
+        <p:nvPr/>
+      </p:nvGrpSpPr>
+      <p:grpSpPr>
+        <a:xfrm>
+          <a:off x="0" y="0"/>
+          <a:ext cx="0" cy="0"/>
+          <a:chOff x="0" y="0"/>
+          <a:chExt cx="0" cy="0"/>
+        </a:xfrm>
+      </p:grpSpPr>
+      <p:sp>
+        <p:nvSpPr>
+          <p:cNvPr id="2" name="Slide Image Placeholder 1"/>
+          <p:cNvSpPr>
+            <a:spLocks noGrp="1" noRot="1" noChangeAspect="1"/>
+          </p:cNvSpPr>
+          <p:nvPr>
+            <p:ph type="sldImg"/>
+          </p:nvPr>
+        </p:nvSpPr>
+        <p:spPr/>
+      </p:sp>
+      <p:sp>
+        <p:nvSpPr>
+          <p:cNvPr id="3" name="Notes Placeholder 2"/>
+          <p:cNvSpPr>
+            <a:spLocks noGrp="1"/>
+          </p:cNvSpPr>
+          <p:nvPr>
+            <p:ph type="body" idx="1"/>
+          </p:nvPr>
+        </p:nvSpPr>
+        <p:spPr/>
+        <p:txBody>
+          <a:bodyPr/>
+          <a:lstStyle/>
+          <a:p>
+            <a:endParaRPr lang="en-US" dirty="0"/>
+          </a:p>
+        </p:txBody>
+      </p:sp>
+      <p:sp>
+        <p:nvSpPr>
+          <p:cNvPr id="4" name="Slide Number Placeholder 3"/>
+          <p:cNvSpPr>
+            <a:spLocks noGrp="1"/>
+          </p:cNvSpPr>
+          <p:nvPr>
+            <p:ph type="sldNum" sz="quarter" idx="5"/>
+          </p:nvPr>
+        </p:nvSpPr>
+        <p:spPr/>
+        <p:txBody>
+          <a:bodyPr/>
+          <a:lstStyle/>
+          <a:p>
+            <a:fld id="{DEF75CB5-5666-5049-9AE0-38EFD385C21E}" type="slidenum">
+              <a:rPr lang="en-US" smtClean="0"/>
+              <a:t>4</a:t>
+            </a:fld>
+            <a:endParaRPr lang="en-US" dirty="0"/>
+          </a:p>
+        </p:txBody>
+      </p:sp>
+    </p:spTree>
+    <p:extLst>
+      <p:ext uri="{BB962C8B-B14F-4D97-AF65-F5344CB8AC3E}">
+        <p14:creationId xmlns:p14="http://schemas.microsoft.com/office/powerpoint/2010/main" val="3726695563"/>
       </p:ext>
     </p:extLst>
   </p:cSld>
@@ -10657,8 +10742,8 @@
         </p:nvSpPr>
         <p:spPr>
           <a:xfrm>
-            <a:off x="1913928" y="5634632"/>
-            <a:ext cx="1890117" cy="646331"/>
+            <a:off x="1798139" y="5634632"/>
+            <a:ext cx="2100861" cy="646331"/>
           </a:xfrm>
           <a:prstGeom prst="rect">
             <a:avLst/>
@@ -10686,7 +10771,7 @@
               </a:rPr>
               <a:t> Ivan Ivanov</a:t>
             </a:r>
-            <a:endParaRPr lang="en-US"/>
+            <a:endParaRPr lang="en-US" dirty="0"/>
           </a:p>
           <a:p>
             <a:pPr algn="ctr"/>
@@ -10699,9 +10784,9 @@
                 <a:ea typeface="+mn-lt"/>
                 <a:cs typeface="+mn-lt"/>
               </a:rPr>
-              <a:t>[ Designer ]</a:t>
+              <a:t>[ QA Developer ]</a:t>
             </a:r>
-            <a:endParaRPr lang="en-US">
+            <a:endParaRPr lang="en-US" dirty="0">
               <a:solidFill>
                 <a:schemeClr val="bg1"/>
               </a:solidFill>
@@ -10878,7 +10963,7 @@
         </p:nvSpPr>
         <p:spPr>
           <a:xfrm>
-            <a:off x="2932448" y="2592917"/>
+            <a:off x="2820480" y="2592917"/>
             <a:ext cx="6327105" cy="4022989"/>
           </a:xfrm>
         </p:spPr>
@@ -10936,6 +11021,315 @@
 </file>
 
 <file path=ppt/slides/slide4.xml><?xml version="1.0" encoding="utf-8"?>
+<p:sld xmlns:a="http://schemas.openxmlformats.org/drawingml/2006/main" xmlns:r="http://schemas.openxmlformats.org/officeDocument/2006/relationships" xmlns:p="http://schemas.openxmlformats.org/presentationml/2006/main">
+  <p:cSld>
+    <p:spTree>
+      <p:nvGrpSpPr>
+        <p:cNvPr id="1" name=""/>
+        <p:cNvGrpSpPr/>
+        <p:nvPr/>
+      </p:nvGrpSpPr>
+      <p:grpSpPr>
+        <a:xfrm>
+          <a:off x="0" y="0"/>
+          <a:ext cx="0" cy="0"/>
+          <a:chOff x="0" y="0"/>
+          <a:chExt cx="0" cy="0"/>
+        </a:xfrm>
+      </p:grpSpPr>
+      <p:sp>
+        <p:nvSpPr>
+          <p:cNvPr id="2" name="Текстово поле 1">
+            <a:extLst>
+              <a:ext uri="{FF2B5EF4-FFF2-40B4-BE49-F238E27FC236}">
+                <a16:creationId xmlns:a16="http://schemas.microsoft.com/office/drawing/2014/main" id="{E5078004-7F1C-2611-6267-7AC1EDD063E5}"/>
+              </a:ext>
+            </a:extLst>
+          </p:cNvPr>
+          <p:cNvSpPr txBox="1"/>
+          <p:nvPr/>
+        </p:nvSpPr>
+        <p:spPr>
+          <a:xfrm>
+            <a:off x="4425819" y="496955"/>
+            <a:ext cx="4121021" cy="461665"/>
+          </a:xfrm>
+          <a:prstGeom prst="rect">
+            <a:avLst/>
+          </a:prstGeom>
+          <a:noFill/>
+        </p:spPr>
+        <p:txBody>
+          <a:bodyPr wrap="square" rtlCol="0">
+            <a:spAutoFit/>
+          </a:bodyPr>
+          <a:lstStyle/>
+          <a:p>
+            <a:r>
+              <a:rPr lang="en-US" sz="2400" dirty="0">
+                <a:solidFill>
+                  <a:schemeClr val="bg1"/>
+                </a:solidFill>
+              </a:rPr>
+              <a:t>Stages of realizations</a:t>
+            </a:r>
+            <a:endParaRPr lang="bg-BG" sz="2400" dirty="0">
+              <a:solidFill>
+                <a:schemeClr val="bg1"/>
+              </a:solidFill>
+            </a:endParaRPr>
+          </a:p>
+        </p:txBody>
+      </p:sp>
+      <p:sp>
+        <p:nvSpPr>
+          <p:cNvPr id="3" name="Текстово поле 2">
+            <a:extLst>
+              <a:ext uri="{FF2B5EF4-FFF2-40B4-BE49-F238E27FC236}">
+                <a16:creationId xmlns:a16="http://schemas.microsoft.com/office/drawing/2014/main" id="{57A89D0B-2F31-A01B-44F0-71BA5F238FA2}"/>
+              </a:ext>
+            </a:extLst>
+          </p:cNvPr>
+          <p:cNvSpPr txBox="1"/>
+          <p:nvPr/>
+        </p:nvSpPr>
+        <p:spPr>
+          <a:xfrm>
+            <a:off x="1304729" y="2151583"/>
+            <a:ext cx="4121021" cy="461665"/>
+          </a:xfrm>
+          <a:prstGeom prst="rect">
+            <a:avLst/>
+          </a:prstGeom>
+          <a:noFill/>
+        </p:spPr>
+        <p:txBody>
+          <a:bodyPr wrap="square" rtlCol="0">
+            <a:spAutoFit/>
+          </a:bodyPr>
+          <a:lstStyle/>
+          <a:p>
+            <a:pPr marL="0" indent="0" algn="ctr" defTabSz="1078992">
+              <a:spcBef>
+                <a:spcPts val="1180"/>
+              </a:spcBef>
+              <a:buNone/>
+            </a:pPr>
+            <a:r>
+              <a:rPr lang="en-US" sz="2400" kern="1200" dirty="0">
+                <a:solidFill>
+                  <a:schemeClr val="bg1"/>
+                </a:solidFill>
+                <a:latin typeface="Bahnschrift" panose="020B0502040204020203" pitchFamily="34" charset="0"/>
+                <a:ea typeface="+mn-ea"/>
+                <a:cs typeface="+mn-cs"/>
+              </a:rPr>
+              <a:t>1. </a:t>
+            </a:r>
+            <a:r>
+              <a:rPr lang="en-US" sz="2400" dirty="0">
+                <a:solidFill>
+                  <a:schemeClr val="bg1"/>
+                </a:solidFill>
+                <a:latin typeface="Bahnschrift" panose="020B0502040204020203" pitchFamily="34" charset="0"/>
+              </a:rPr>
+              <a:t>Distribute the roles</a:t>
+            </a:r>
+            <a:endParaRPr lang="en-GB" sz="1800" dirty="0">
+              <a:solidFill>
+                <a:schemeClr val="bg1"/>
+              </a:solidFill>
+              <a:latin typeface="Bahnschrift" panose="020B0502040204020203" pitchFamily="34" charset="0"/>
+            </a:endParaRPr>
+          </a:p>
+        </p:txBody>
+      </p:sp>
+      <p:sp>
+        <p:nvSpPr>
+          <p:cNvPr id="4" name="Текстово поле 3">
+            <a:extLst>
+              <a:ext uri="{FF2B5EF4-FFF2-40B4-BE49-F238E27FC236}">
+                <a16:creationId xmlns:a16="http://schemas.microsoft.com/office/drawing/2014/main" id="{FE73C942-643F-9D67-6237-AC7B563EC0DF}"/>
+              </a:ext>
+            </a:extLst>
+          </p:cNvPr>
+          <p:cNvSpPr txBox="1"/>
+          <p:nvPr/>
+        </p:nvSpPr>
+        <p:spPr>
+          <a:xfrm>
+            <a:off x="6486329" y="2151583"/>
+            <a:ext cx="4121021" cy="461665"/>
+          </a:xfrm>
+          <a:prstGeom prst="rect">
+            <a:avLst/>
+          </a:prstGeom>
+          <a:noFill/>
+        </p:spPr>
+        <p:txBody>
+          <a:bodyPr wrap="square" rtlCol="0">
+            <a:spAutoFit/>
+          </a:bodyPr>
+          <a:lstStyle/>
+          <a:p>
+            <a:pPr marL="0" indent="0" algn="ctr" defTabSz="1078992">
+              <a:spcBef>
+                <a:spcPts val="1180"/>
+              </a:spcBef>
+              <a:buNone/>
+            </a:pPr>
+            <a:r>
+              <a:rPr lang="en-US" sz="2400" dirty="0">
+                <a:solidFill>
+                  <a:schemeClr val="bg1"/>
+                </a:solidFill>
+                <a:latin typeface="Bahnschrift" panose="020B0502040204020203" pitchFamily="34" charset="0"/>
+              </a:rPr>
+              <a:t>2. Invent an idea</a:t>
+            </a:r>
+            <a:endParaRPr lang="en-GB" sz="1800" dirty="0">
+              <a:solidFill>
+                <a:schemeClr val="bg1"/>
+              </a:solidFill>
+              <a:latin typeface="Bahnschrift" panose="020B0502040204020203" pitchFamily="34" charset="0"/>
+            </a:endParaRPr>
+          </a:p>
+        </p:txBody>
+      </p:sp>
+      <p:sp>
+        <p:nvSpPr>
+          <p:cNvPr id="5" name="Текстово поле 4">
+            <a:extLst>
+              <a:ext uri="{FF2B5EF4-FFF2-40B4-BE49-F238E27FC236}">
+                <a16:creationId xmlns:a16="http://schemas.microsoft.com/office/drawing/2014/main" id="{AFDB1202-1A9F-20E6-A347-DB3849FB7B06}"/>
+              </a:ext>
+            </a:extLst>
+          </p:cNvPr>
+          <p:cNvSpPr txBox="1"/>
+          <p:nvPr/>
+        </p:nvSpPr>
+        <p:spPr>
+          <a:xfrm>
+            <a:off x="1239414" y="4515338"/>
+            <a:ext cx="4121021" cy="892552"/>
+          </a:xfrm>
+          <a:prstGeom prst="rect">
+            <a:avLst/>
+          </a:prstGeom>
+          <a:noFill/>
+        </p:spPr>
+        <p:txBody>
+          <a:bodyPr wrap="square" rtlCol="0">
+            <a:spAutoFit/>
+          </a:bodyPr>
+          <a:lstStyle/>
+          <a:p>
+            <a:pPr algn="ctr" defTabSz="1078992">
+              <a:spcBef>
+                <a:spcPts val="1180"/>
+              </a:spcBef>
+            </a:pPr>
+            <a:r>
+              <a:rPr lang="en-US" sz="2400" kern="1200" dirty="0">
+                <a:solidFill>
+                  <a:schemeClr val="bg1"/>
+                </a:solidFill>
+                <a:latin typeface="Bahnschrift" panose="020B0502040204020203" pitchFamily="34" charset="0"/>
+                <a:ea typeface="+mn-ea"/>
+                <a:cs typeface="+mn-cs"/>
+              </a:rPr>
+              <a:t>3. Realization of the idea</a:t>
+            </a:r>
+            <a:endParaRPr lang="en-GB" sz="2400" dirty="0">
+              <a:solidFill>
+                <a:schemeClr val="bg1"/>
+              </a:solidFill>
+              <a:latin typeface="Bahnschrift" panose="020B0502040204020203" pitchFamily="34" charset="0"/>
+            </a:endParaRPr>
+          </a:p>
+          <a:p>
+            <a:pPr marL="0" indent="0" algn="ctr" defTabSz="1078992">
+              <a:spcBef>
+                <a:spcPts val="1180"/>
+              </a:spcBef>
+              <a:buNone/>
+            </a:pPr>
+            <a:endParaRPr lang="en-GB" sz="1800" dirty="0">
+              <a:solidFill>
+                <a:schemeClr val="bg1"/>
+              </a:solidFill>
+              <a:latin typeface="Bahnschrift" panose="020B0502040204020203" pitchFamily="34" charset="0"/>
+            </a:endParaRPr>
+          </a:p>
+        </p:txBody>
+      </p:sp>
+      <p:sp>
+        <p:nvSpPr>
+          <p:cNvPr id="6" name="Текстово поле 5">
+            <a:extLst>
+              <a:ext uri="{FF2B5EF4-FFF2-40B4-BE49-F238E27FC236}">
+                <a16:creationId xmlns:a16="http://schemas.microsoft.com/office/drawing/2014/main" id="{32C79BB9-6AC6-810E-CF68-925DFAF3AAC1}"/>
+              </a:ext>
+            </a:extLst>
+          </p:cNvPr>
+          <p:cNvSpPr txBox="1"/>
+          <p:nvPr/>
+        </p:nvSpPr>
+        <p:spPr>
+          <a:xfrm>
+            <a:off x="6758472" y="4515338"/>
+            <a:ext cx="4121021" cy="461665"/>
+          </a:xfrm>
+          <a:prstGeom prst="rect">
+            <a:avLst/>
+          </a:prstGeom>
+          <a:noFill/>
+        </p:spPr>
+        <p:txBody>
+          <a:bodyPr wrap="square" rtlCol="0">
+            <a:spAutoFit/>
+          </a:bodyPr>
+          <a:lstStyle/>
+          <a:p>
+            <a:pPr algn="ctr" defTabSz="1078992">
+              <a:spcAft>
+                <a:spcPts val="600"/>
+              </a:spcAft>
+            </a:pPr>
+            <a:r>
+              <a:rPr lang="en-US" sz="2400" kern="1200" dirty="0">
+                <a:solidFill>
+                  <a:schemeClr val="bg1"/>
+                </a:solidFill>
+                <a:latin typeface="Bahnschrift" panose="020B0502040204020203" pitchFamily="34" charset="0"/>
+                <a:ea typeface="+mn-ea"/>
+                <a:cs typeface="+mn-cs"/>
+              </a:rPr>
+              <a:t>4. Present the project</a:t>
+            </a:r>
+            <a:endParaRPr lang="en-GB" sz="1800" dirty="0">
+              <a:solidFill>
+                <a:schemeClr val="bg1"/>
+              </a:solidFill>
+              <a:latin typeface="Bahnschrift" panose="020B0502040204020203" pitchFamily="34" charset="0"/>
+            </a:endParaRPr>
+          </a:p>
+        </p:txBody>
+      </p:sp>
+    </p:spTree>
+    <p:extLst>
+      <p:ext uri="{BB962C8B-B14F-4D97-AF65-F5344CB8AC3E}">
+        <p14:creationId xmlns:p14="http://schemas.microsoft.com/office/powerpoint/2010/main" val="2092115415"/>
+      </p:ext>
+    </p:extLst>
+  </p:cSld>
+  <p:clrMapOvr>
+    <a:masterClrMapping/>
+  </p:clrMapOvr>
+</p:sld>
+</file>
+
+<file path=ppt/slides/slide5.xml><?xml version="1.0" encoding="utf-8"?>
 <p:sld xmlns:a="http://schemas.openxmlformats.org/drawingml/2006/main" xmlns:r="http://schemas.openxmlformats.org/officeDocument/2006/relationships" xmlns:p="http://schemas.openxmlformats.org/presentationml/2006/main">
   <p:cSld>
     <p:spTree>
@@ -11254,7 +11648,7 @@
 </p:sld>
 </file>
 
-<file path=ppt/slides/slide5.xml><?xml version="1.0" encoding="utf-8"?>
+<file path=ppt/slides/slide6.xml><?xml version="1.0" encoding="utf-8"?>
 <p:sld xmlns:a="http://schemas.openxmlformats.org/drawingml/2006/main" xmlns:r="http://schemas.openxmlformats.org/officeDocument/2006/relationships" xmlns:p="http://schemas.openxmlformats.org/presentationml/2006/main">
   <p:cSld>
     <p:spTree>
@@ -11354,7 +11748,7 @@
             <a:fld id="{FE024F78-56A6-7740-B68D-8D4D026EDF3F}" type="slidenum">
               <a:rPr lang="en-US" smtClean="0"/>
               <a:pPr/>
-              <a:t>5</a:t>
+              <a:t>6</a:t>
             </a:fld>
             <a:endParaRPr lang="en-US" dirty="0"/>
           </a:p>
@@ -12165,6 +12559,15 @@
 </file>
 
 <file path=customXml/item1.xml><?xml version="1.0" encoding="utf-8"?>
+<?mso-contentType ?>
+<FormTemplates xmlns="http://schemas.microsoft.com/sharepoint/v3/contenttype/forms">
+  <Display>DocumentLibraryForm</Display>
+  <Edit>DocumentLibraryForm</Edit>
+  <New>DocumentLibraryForm</New>
+</FormTemplates>
+</file>
+
+<file path=customXml/item2.xml><?xml version="1.0" encoding="utf-8"?>
 <p:properties xmlns:p="http://schemas.microsoft.com/office/2006/metadata/properties" xmlns:xsi="http://www.w3.org/2001/XMLSchema-instance" xmlns:pc="http://schemas.microsoft.com/office/infopath/2007/PartnerControls">
   <documentManagement>
     <_ip_UnifiedCompliancePolicyUIAction xmlns="http://schemas.microsoft.com/sharepoint/v3" xsi:nil="true"/>
@@ -12182,15 +12585,6 @@
     <MediaServiceKeyPoints xmlns="71af3243-3dd4-4a8d-8c0d-dd76da1f02a5" xsi:nil="true"/>
   </documentManagement>
 </p:properties>
-</file>
-
-<file path=customXml/item2.xml><?xml version="1.0" encoding="utf-8"?>
-<?mso-contentType ?>
-<FormTemplates xmlns="http://schemas.microsoft.com/sharepoint/v3/contenttype/forms">
-  <Display>DocumentLibraryForm</Display>
-  <Edit>DocumentLibraryForm</Edit>
-  <New>DocumentLibraryForm</New>
-</FormTemplates>
 </file>
 
 <file path=customXml/item3.xml><?xml version="1.0" encoding="utf-8"?>
@@ -12506,6 +12900,14 @@
 </file>
 
 <file path=customXml/itemProps1.xml><?xml version="1.0" encoding="utf-8"?>
+<ds:datastoreItem xmlns:ds="http://schemas.openxmlformats.org/officeDocument/2006/customXml" ds:itemID="{A78D9019-7CE1-4B77-8F5D-67F6576598CB}">
+  <ds:schemaRefs>
+    <ds:schemaRef ds:uri="http://schemas.microsoft.com/sharepoint/v3/contenttype/forms"/>
+  </ds:schemaRefs>
+</ds:datastoreItem>
+</file>
+
+<file path=customXml/itemProps2.xml><?xml version="1.0" encoding="utf-8"?>
 <ds:datastoreItem xmlns:ds="http://schemas.openxmlformats.org/officeDocument/2006/customXml" ds:itemID="{E42E6C21-1752-4E06-9FE3-208D45ADB668}">
   <ds:schemaRefs>
     <ds:schemaRef ds:uri="http://schemas.microsoft.com/office/2006/metadata/properties"/>
@@ -12513,14 +12915,6 @@
     <ds:schemaRef ds:uri="http://schemas.microsoft.com/sharepoint/v3"/>
     <ds:schemaRef ds:uri="71af3243-3dd4-4a8d-8c0d-dd76da1f02a5"/>
     <ds:schemaRef ds:uri="230e9df3-be65-4c73-a93b-d1236ebd677e"/>
-  </ds:schemaRefs>
-</ds:datastoreItem>
-</file>
-
-<file path=customXml/itemProps2.xml><?xml version="1.0" encoding="utf-8"?>
-<ds:datastoreItem xmlns:ds="http://schemas.openxmlformats.org/officeDocument/2006/customXml" ds:itemID="{A78D9019-7CE1-4B77-8F5D-67F6576598CB}">
-  <ds:schemaRefs>
-    <ds:schemaRef ds:uri="http://schemas.microsoft.com/sharepoint/v3/contenttype/forms"/>
   </ds:schemaRefs>
 </ds:datastoreItem>
 </file>
